--- a/buttons.pptx
+++ b/buttons.pptx
@@ -6,6 +6,7 @@
   </p:sldMasterIdLst>
   <p:sldIdLst>
     <p:sldId id="256" r:id="rId2"/>
+    <p:sldId id="257" r:id="rId3"/>
   </p:sldIdLst>
   <p:sldSz cx="9144000" cy="6858000" type="screen4x3"/>
   <p:notesSz cx="6858000" cy="9144000"/>
@@ -104,6 +105,22 @@
       </a:defRPr>
     </a:lvl9pPr>
   </p:defaultTextStyle>
+  <p:extLst>
+    <p:ext uri="{EFAFB233-063F-42B5-8137-9DF3F51BA10A}">
+      <p15:sldGuideLst xmlns:p15="http://schemas.microsoft.com/office/powerpoint/2012/main">
+        <p15:guide id="1" orient="horz" pos="2160">
+          <p15:clr>
+            <a:srgbClr val="A4A3A4"/>
+          </p15:clr>
+        </p15:guide>
+        <p15:guide id="2" pos="2880">
+          <p15:clr>
+            <a:srgbClr val="A4A3A4"/>
+          </p15:clr>
+        </p15:guide>
+      </p15:sldGuideLst>
+    </p:ext>
+  </p:extLst>
 </p:presentation>
 </file>
 
@@ -288,7 +305,7 @@
           <a:p>
             <a:fld id="{6160CE2C-618F-9444-BA8A-58E4C525A399}" type="datetimeFigureOut">
               <a:rPr lang="en-US" smtClean="0"/>
-              <a:t>9/2/17</a:t>
+              <a:t>12/31/17</a:t>
             </a:fld>
             <a:endParaRPr lang="en-US"/>
           </a:p>
@@ -458,7 +475,7 @@
           <a:p>
             <a:fld id="{6160CE2C-618F-9444-BA8A-58E4C525A399}" type="datetimeFigureOut">
               <a:rPr lang="en-US" smtClean="0"/>
-              <a:t>9/2/17</a:t>
+              <a:t>12/31/17</a:t>
             </a:fld>
             <a:endParaRPr lang="en-US"/>
           </a:p>
@@ -638,7 +655,7 @@
           <a:p>
             <a:fld id="{6160CE2C-618F-9444-BA8A-58E4C525A399}" type="datetimeFigureOut">
               <a:rPr lang="en-US" smtClean="0"/>
-              <a:t>9/2/17</a:t>
+              <a:t>12/31/17</a:t>
             </a:fld>
             <a:endParaRPr lang="en-US"/>
           </a:p>
@@ -808,7 +825,7 @@
           <a:p>
             <a:fld id="{6160CE2C-618F-9444-BA8A-58E4C525A399}" type="datetimeFigureOut">
               <a:rPr lang="en-US" smtClean="0"/>
-              <a:t>9/2/17</a:t>
+              <a:t>12/31/17</a:t>
             </a:fld>
             <a:endParaRPr lang="en-US"/>
           </a:p>
@@ -1054,7 +1071,7 @@
           <a:p>
             <a:fld id="{6160CE2C-618F-9444-BA8A-58E4C525A399}" type="datetimeFigureOut">
               <a:rPr lang="en-US" smtClean="0"/>
-              <a:t>9/2/17</a:t>
+              <a:t>12/31/17</a:t>
             </a:fld>
             <a:endParaRPr lang="en-US"/>
           </a:p>
@@ -1342,7 +1359,7 @@
           <a:p>
             <a:fld id="{6160CE2C-618F-9444-BA8A-58E4C525A399}" type="datetimeFigureOut">
               <a:rPr lang="en-US" smtClean="0"/>
-              <a:t>9/2/17</a:t>
+              <a:t>12/31/17</a:t>
             </a:fld>
             <a:endParaRPr lang="en-US"/>
           </a:p>
@@ -1764,7 +1781,7 @@
           <a:p>
             <a:fld id="{6160CE2C-618F-9444-BA8A-58E4C525A399}" type="datetimeFigureOut">
               <a:rPr lang="en-US" smtClean="0"/>
-              <a:t>9/2/17</a:t>
+              <a:t>12/31/17</a:t>
             </a:fld>
             <a:endParaRPr lang="en-US"/>
           </a:p>
@@ -1882,7 +1899,7 @@
           <a:p>
             <a:fld id="{6160CE2C-618F-9444-BA8A-58E4C525A399}" type="datetimeFigureOut">
               <a:rPr lang="en-US" smtClean="0"/>
-              <a:t>9/2/17</a:t>
+              <a:t>12/31/17</a:t>
             </a:fld>
             <a:endParaRPr lang="en-US"/>
           </a:p>
@@ -1977,7 +1994,7 @@
           <a:p>
             <a:fld id="{6160CE2C-618F-9444-BA8A-58E4C525A399}" type="datetimeFigureOut">
               <a:rPr lang="en-US" smtClean="0"/>
-              <a:t>9/2/17</a:t>
+              <a:t>12/31/17</a:t>
             </a:fld>
             <a:endParaRPr lang="en-US"/>
           </a:p>
@@ -2254,7 +2271,7 @@
           <a:p>
             <a:fld id="{6160CE2C-618F-9444-BA8A-58E4C525A399}" type="datetimeFigureOut">
               <a:rPr lang="en-US" smtClean="0"/>
-              <a:t>9/2/17</a:t>
+              <a:t>12/31/17</a:t>
             </a:fld>
             <a:endParaRPr lang="en-US"/>
           </a:p>
@@ -2507,7 +2524,7 @@
           <a:p>
             <a:fld id="{6160CE2C-618F-9444-BA8A-58E4C525A399}" type="datetimeFigureOut">
               <a:rPr lang="en-US" smtClean="0"/>
-              <a:t>9/2/17</a:t>
+              <a:t>12/31/17</a:t>
             </a:fld>
             <a:endParaRPr lang="en-US"/>
           </a:p>
@@ -2720,7 +2737,7 @@
           <a:p>
             <a:fld id="{6160CE2C-618F-9444-BA8A-58E4C525A399}" type="datetimeFigureOut">
               <a:rPr lang="en-US" smtClean="0"/>
-              <a:t>9/2/17</a:t>
+              <a:t>12/31/17</a:t>
             </a:fld>
             <a:endParaRPr lang="en-US"/>
           </a:p>
@@ -3247,6 +3264,175 @@
 </p:sld>
 </file>
 
+<file path=ppt/slides/slide2.xml><?xml version="1.0" encoding="utf-8"?>
+<p:sld xmlns:a="http://schemas.openxmlformats.org/drawingml/2006/main" xmlns:r="http://schemas.openxmlformats.org/officeDocument/2006/relationships" xmlns:p="http://schemas.openxmlformats.org/presentationml/2006/main">
+  <p:cSld>
+    <p:bg>
+      <p:bgPr>
+        <a:solidFill>
+          <a:schemeClr val="tx1"/>
+        </a:solidFill>
+        <a:effectLst/>
+      </p:bgPr>
+    </p:bg>
+    <p:spTree>
+      <p:nvGrpSpPr>
+        <p:cNvPr id="1" name=""/>
+        <p:cNvGrpSpPr/>
+        <p:nvPr/>
+      </p:nvGrpSpPr>
+      <p:grpSpPr>
+        <a:xfrm>
+          <a:off x="0" y="0"/>
+          <a:ext cx="0" cy="0"/>
+          <a:chOff x="0" y="0"/>
+          <a:chExt cx="0" cy="0"/>
+        </a:xfrm>
+      </p:grpSpPr>
+      <p:grpSp>
+        <p:nvGrpSpPr>
+          <p:cNvPr id="12" name="Group 11"/>
+          <p:cNvGrpSpPr/>
+          <p:nvPr/>
+        </p:nvGrpSpPr>
+        <p:grpSpPr>
+          <a:xfrm>
+            <a:off x="2014968" y="580374"/>
+            <a:ext cx="5781591" cy="5781591"/>
+            <a:chOff x="411058" y="580375"/>
+            <a:chExt cx="2078182" cy="2078182"/>
+          </a:xfrm>
+        </p:grpSpPr>
+        <p:sp>
+          <p:nvSpPr>
+            <p:cNvPr id="13" name="Rounded Rectangle 12"/>
+            <p:cNvSpPr/>
+            <p:nvPr/>
+          </p:nvSpPr>
+          <p:spPr>
+            <a:xfrm>
+              <a:off x="411058" y="580375"/>
+              <a:ext cx="2078182" cy="2078182"/>
+            </a:xfrm>
+            <a:prstGeom prst="roundRect">
+              <a:avLst/>
+            </a:prstGeom>
+            <a:solidFill>
+              <a:schemeClr val="tx1"/>
+            </a:solidFill>
+            <a:ln w="88900" cmpd="sng">
+              <a:solidFill>
+                <a:schemeClr val="bg1"/>
+              </a:solidFill>
+            </a:ln>
+            <a:effectLst/>
+          </p:spPr>
+          <p:style>
+            <a:lnRef idx="1">
+              <a:schemeClr val="accent1"/>
+            </a:lnRef>
+            <a:fillRef idx="3">
+              <a:schemeClr val="accent1"/>
+            </a:fillRef>
+            <a:effectRef idx="2">
+              <a:schemeClr val="accent1"/>
+            </a:effectRef>
+            <a:fontRef idx="minor">
+              <a:schemeClr val="lt1"/>
+            </a:fontRef>
+          </p:style>
+          <p:txBody>
+            <a:bodyPr rtlCol="0" anchor="ctr"/>
+            <a:lstStyle/>
+            <a:p>
+              <a:pPr algn="ctr"/>
+              <a:endParaRPr lang="en-US"/>
+            </a:p>
+          </p:txBody>
+        </p:sp>
+        <p:sp>
+          <p:nvSpPr>
+            <p:cNvPr id="15" name="TextBox 14"/>
+            <p:cNvSpPr txBox="1"/>
+            <p:nvPr/>
+          </p:nvSpPr>
+          <p:spPr>
+            <a:xfrm>
+              <a:off x="411058" y="721026"/>
+              <a:ext cx="2078182" cy="696967"/>
+            </a:xfrm>
+            <a:prstGeom prst="rect">
+              <a:avLst/>
+            </a:prstGeom>
+            <a:noFill/>
+          </p:spPr>
+          <p:txBody>
+            <a:bodyPr wrap="square" rtlCol="0">
+              <a:spAutoFit/>
+            </a:bodyPr>
+            <a:lstStyle/>
+            <a:p>
+              <a:pPr algn="ctr"/>
+              <a:r>
+                <a:rPr lang="en-US" sz="6000" b="1" dirty="0" smtClean="0">
+                  <a:solidFill>
+                    <a:schemeClr val="bg1"/>
+                  </a:solidFill>
+                </a:rPr>
+                <a:t>Experimental Design</a:t>
+              </a:r>
+              <a:endParaRPr lang="en-US" sz="6000" b="1" dirty="0">
+                <a:solidFill>
+                  <a:schemeClr val="bg1"/>
+                </a:solidFill>
+              </a:endParaRPr>
+            </a:p>
+          </p:txBody>
+        </p:sp>
+      </p:grpSp>
+      <p:pic>
+        <p:nvPicPr>
+          <p:cNvPr id="2" name="Picture 1"/>
+          <p:cNvPicPr>
+            <a:picLocks noChangeAspect="1"/>
+          </p:cNvPicPr>
+          <p:nvPr/>
+        </p:nvPicPr>
+        <p:blipFill>
+          <a:blip r:embed="rId2">
+            <a:extLst>
+              <a:ext uri="{28A0092B-C50C-407E-A947-70E740481C1C}">
+                <a14:useLocalDpi xmlns:a14="http://schemas.microsoft.com/office/drawing/2010/main" val="0"/>
+              </a:ext>
+            </a:extLst>
+          </a:blip>
+          <a:stretch>
+            <a:fillRect/>
+          </a:stretch>
+        </p:blipFill>
+        <p:spPr>
+          <a:xfrm>
+            <a:off x="2369892" y="3301960"/>
+            <a:ext cx="5130365" cy="2460546"/>
+          </a:xfrm>
+          <a:prstGeom prst="rect">
+            <a:avLst/>
+          </a:prstGeom>
+        </p:spPr>
+      </p:pic>
+    </p:spTree>
+    <p:extLst>
+      <p:ext uri="{BB962C8B-B14F-4D97-AF65-F5344CB8AC3E}">
+        <p14:creationId xmlns:p14="http://schemas.microsoft.com/office/powerpoint/2010/main" val="646271757"/>
+      </p:ext>
+    </p:extLst>
+  </p:cSld>
+  <p:clrMapOvr>
+    <a:masterClrMapping/>
+  </p:clrMapOvr>
+</p:sld>
+</file>
+
 <file path=ppt/theme/theme1.xml><?xml version="1.0" encoding="utf-8"?>
 <a:theme xmlns:a="http://schemas.openxmlformats.org/drawingml/2006/main" name="Office Theme">
   <a:themeElements>

--- a/buttons.pptx
+++ b/buttons.pptx
@@ -7,6 +7,7 @@
   <p:sldIdLst>
     <p:sldId id="256" r:id="rId2"/>
     <p:sldId id="257" r:id="rId3"/>
+    <p:sldId id="258" r:id="rId4"/>
   </p:sldIdLst>
   <p:sldSz cx="9144000" cy="6858000" type="screen4x3"/>
   <p:notesSz cx="6858000" cy="9144000"/>
@@ -162,10 +163,9 @@
           <a:lstStyle/>
           <a:p>
             <a:r>
-              <a:rPr lang="en-US" smtClean="0"/>
+              <a:rPr lang="en-US"/>
               <a:t>Click to edit Master title style</a:t>
             </a:r>
-            <a:endParaRPr lang="en-US"/>
           </a:p>
         </p:txBody>
       </p:sp>
@@ -281,10 +281,9 @@
           </a:lstStyle>
           <a:p>
             <a:r>
-              <a:rPr lang="en-US" smtClean="0"/>
+              <a:rPr lang="en-US"/>
               <a:t>Click to edit Master subtitle style</a:t>
             </a:r>
-            <a:endParaRPr lang="en-US"/>
           </a:p>
         </p:txBody>
       </p:sp>
@@ -305,7 +304,7 @@
           <a:p>
             <a:fld id="{6160CE2C-618F-9444-BA8A-58E4C525A399}" type="datetimeFigureOut">
               <a:rPr lang="en-US" smtClean="0"/>
-              <a:t>12/31/17</a:t>
+              <a:t>3/26/19</a:t>
             </a:fld>
             <a:endParaRPr lang="en-US"/>
           </a:p>
@@ -399,10 +398,9 @@
           <a:lstStyle/>
           <a:p>
             <a:r>
-              <a:rPr lang="en-US" smtClean="0"/>
+              <a:rPr lang="en-US"/>
               <a:t>Click to edit Master title style</a:t>
             </a:r>
-            <a:endParaRPr lang="en-US"/>
           </a:p>
         </p:txBody>
       </p:sp>
@@ -423,38 +421,37 @@
           <a:p>
             <a:pPr lvl="0"/>
             <a:r>
-              <a:rPr lang="en-US" smtClean="0"/>
+              <a:rPr lang="en-US"/>
               <a:t>Click to edit Master text styles</a:t>
             </a:r>
           </a:p>
           <a:p>
             <a:pPr lvl="1"/>
             <a:r>
-              <a:rPr lang="en-US" smtClean="0"/>
+              <a:rPr lang="en-US"/>
               <a:t>Second level</a:t>
             </a:r>
           </a:p>
           <a:p>
             <a:pPr lvl="2"/>
             <a:r>
-              <a:rPr lang="en-US" smtClean="0"/>
+              <a:rPr lang="en-US"/>
               <a:t>Third level</a:t>
             </a:r>
           </a:p>
           <a:p>
             <a:pPr lvl="3"/>
             <a:r>
-              <a:rPr lang="en-US" smtClean="0"/>
+              <a:rPr lang="en-US"/>
               <a:t>Fourth level</a:t>
             </a:r>
           </a:p>
           <a:p>
             <a:pPr lvl="4"/>
             <a:r>
-              <a:rPr lang="en-US" smtClean="0"/>
+              <a:rPr lang="en-US"/>
               <a:t>Fifth level</a:t>
             </a:r>
-            <a:endParaRPr lang="en-US"/>
           </a:p>
         </p:txBody>
       </p:sp>
@@ -475,7 +472,7 @@
           <a:p>
             <a:fld id="{6160CE2C-618F-9444-BA8A-58E4C525A399}" type="datetimeFigureOut">
               <a:rPr lang="en-US" smtClean="0"/>
-              <a:t>12/31/17</a:t>
+              <a:t>3/26/19</a:t>
             </a:fld>
             <a:endParaRPr lang="en-US"/>
           </a:p>
@@ -574,10 +571,9 @@
           <a:lstStyle/>
           <a:p>
             <a:r>
-              <a:rPr lang="en-US" smtClean="0"/>
+              <a:rPr lang="en-US"/>
               <a:t>Click to edit Master title style</a:t>
             </a:r>
-            <a:endParaRPr lang="en-US"/>
           </a:p>
         </p:txBody>
       </p:sp>
@@ -603,38 +599,37 @@
           <a:p>
             <a:pPr lvl="0"/>
             <a:r>
-              <a:rPr lang="en-US" smtClean="0"/>
+              <a:rPr lang="en-US"/>
               <a:t>Click to edit Master text styles</a:t>
             </a:r>
           </a:p>
           <a:p>
             <a:pPr lvl="1"/>
             <a:r>
-              <a:rPr lang="en-US" smtClean="0"/>
+              <a:rPr lang="en-US"/>
               <a:t>Second level</a:t>
             </a:r>
           </a:p>
           <a:p>
             <a:pPr lvl="2"/>
             <a:r>
-              <a:rPr lang="en-US" smtClean="0"/>
+              <a:rPr lang="en-US"/>
               <a:t>Third level</a:t>
             </a:r>
           </a:p>
           <a:p>
             <a:pPr lvl="3"/>
             <a:r>
-              <a:rPr lang="en-US" smtClean="0"/>
+              <a:rPr lang="en-US"/>
               <a:t>Fourth level</a:t>
             </a:r>
           </a:p>
           <a:p>
             <a:pPr lvl="4"/>
             <a:r>
-              <a:rPr lang="en-US" smtClean="0"/>
+              <a:rPr lang="en-US"/>
               <a:t>Fifth level</a:t>
             </a:r>
-            <a:endParaRPr lang="en-US"/>
           </a:p>
         </p:txBody>
       </p:sp>
@@ -655,7 +650,7 @@
           <a:p>
             <a:fld id="{6160CE2C-618F-9444-BA8A-58E4C525A399}" type="datetimeFigureOut">
               <a:rPr lang="en-US" smtClean="0"/>
-              <a:t>12/31/17</a:t>
+              <a:t>3/26/19</a:t>
             </a:fld>
             <a:endParaRPr lang="en-US"/>
           </a:p>
@@ -749,10 +744,9 @@
           <a:lstStyle/>
           <a:p>
             <a:r>
-              <a:rPr lang="en-US" smtClean="0"/>
+              <a:rPr lang="en-US"/>
               <a:t>Click to edit Master title style</a:t>
             </a:r>
-            <a:endParaRPr lang="en-US"/>
           </a:p>
         </p:txBody>
       </p:sp>
@@ -773,38 +767,37 @@
           <a:p>
             <a:pPr lvl="0"/>
             <a:r>
-              <a:rPr lang="en-US" smtClean="0"/>
+              <a:rPr lang="en-US"/>
               <a:t>Click to edit Master text styles</a:t>
             </a:r>
           </a:p>
           <a:p>
             <a:pPr lvl="1"/>
             <a:r>
-              <a:rPr lang="en-US" smtClean="0"/>
+              <a:rPr lang="en-US"/>
               <a:t>Second level</a:t>
             </a:r>
           </a:p>
           <a:p>
             <a:pPr lvl="2"/>
             <a:r>
-              <a:rPr lang="en-US" smtClean="0"/>
+              <a:rPr lang="en-US"/>
               <a:t>Third level</a:t>
             </a:r>
           </a:p>
           <a:p>
             <a:pPr lvl="3"/>
             <a:r>
-              <a:rPr lang="en-US" smtClean="0"/>
+              <a:rPr lang="en-US"/>
               <a:t>Fourth level</a:t>
             </a:r>
           </a:p>
           <a:p>
             <a:pPr lvl="4"/>
             <a:r>
-              <a:rPr lang="en-US" smtClean="0"/>
+              <a:rPr lang="en-US"/>
               <a:t>Fifth level</a:t>
             </a:r>
-            <a:endParaRPr lang="en-US"/>
           </a:p>
         </p:txBody>
       </p:sp>
@@ -825,7 +818,7 @@
           <a:p>
             <a:fld id="{6160CE2C-618F-9444-BA8A-58E4C525A399}" type="datetimeFigureOut">
               <a:rPr lang="en-US" smtClean="0"/>
-              <a:t>12/31/17</a:t>
+              <a:t>3/26/19</a:t>
             </a:fld>
             <a:endParaRPr lang="en-US"/>
           </a:p>
@@ -928,10 +921,9 @@
           </a:lstStyle>
           <a:p>
             <a:r>
-              <a:rPr lang="en-US" smtClean="0"/>
+              <a:rPr lang="en-US"/>
               <a:t>Click to edit Master title style</a:t>
             </a:r>
-            <a:endParaRPr lang="en-US"/>
           </a:p>
         </p:txBody>
       </p:sp>
@@ -1048,7 +1040,7 @@
           <a:p>
             <a:pPr lvl="0"/>
             <a:r>
-              <a:rPr lang="en-US" smtClean="0"/>
+              <a:rPr lang="en-US"/>
               <a:t>Click to edit Master text styles</a:t>
             </a:r>
           </a:p>
@@ -1071,7 +1063,7 @@
           <a:p>
             <a:fld id="{6160CE2C-618F-9444-BA8A-58E4C525A399}" type="datetimeFigureOut">
               <a:rPr lang="en-US" smtClean="0"/>
-              <a:t>12/31/17</a:t>
+              <a:t>3/26/19</a:t>
             </a:fld>
             <a:endParaRPr lang="en-US"/>
           </a:p>
@@ -1165,10 +1157,9 @@
           <a:lstStyle/>
           <a:p>
             <a:r>
-              <a:rPr lang="en-US" smtClean="0"/>
+              <a:rPr lang="en-US"/>
               <a:t>Click to edit Master title style</a:t>
             </a:r>
-            <a:endParaRPr lang="en-US"/>
           </a:p>
         </p:txBody>
       </p:sp>
@@ -1222,38 +1213,37 @@
           <a:p>
             <a:pPr lvl="0"/>
             <a:r>
-              <a:rPr lang="en-US" smtClean="0"/>
+              <a:rPr lang="en-US"/>
               <a:t>Click to edit Master text styles</a:t>
             </a:r>
           </a:p>
           <a:p>
             <a:pPr lvl="1"/>
             <a:r>
-              <a:rPr lang="en-US" smtClean="0"/>
+              <a:rPr lang="en-US"/>
               <a:t>Second level</a:t>
             </a:r>
           </a:p>
           <a:p>
             <a:pPr lvl="2"/>
             <a:r>
-              <a:rPr lang="en-US" smtClean="0"/>
+              <a:rPr lang="en-US"/>
               <a:t>Third level</a:t>
             </a:r>
           </a:p>
           <a:p>
             <a:pPr lvl="3"/>
             <a:r>
-              <a:rPr lang="en-US" smtClean="0"/>
+              <a:rPr lang="en-US"/>
               <a:t>Fourth level</a:t>
             </a:r>
           </a:p>
           <a:p>
             <a:pPr lvl="4"/>
             <a:r>
-              <a:rPr lang="en-US" smtClean="0"/>
+              <a:rPr lang="en-US"/>
               <a:t>Fifth level</a:t>
             </a:r>
-            <a:endParaRPr lang="en-US"/>
           </a:p>
         </p:txBody>
       </p:sp>
@@ -1307,38 +1297,37 @@
           <a:p>
             <a:pPr lvl="0"/>
             <a:r>
-              <a:rPr lang="en-US" smtClean="0"/>
+              <a:rPr lang="en-US"/>
               <a:t>Click to edit Master text styles</a:t>
             </a:r>
           </a:p>
           <a:p>
             <a:pPr lvl="1"/>
             <a:r>
-              <a:rPr lang="en-US" smtClean="0"/>
+              <a:rPr lang="en-US"/>
               <a:t>Second level</a:t>
             </a:r>
           </a:p>
           <a:p>
             <a:pPr lvl="2"/>
             <a:r>
-              <a:rPr lang="en-US" smtClean="0"/>
+              <a:rPr lang="en-US"/>
               <a:t>Third level</a:t>
             </a:r>
           </a:p>
           <a:p>
             <a:pPr lvl="3"/>
             <a:r>
-              <a:rPr lang="en-US" smtClean="0"/>
+              <a:rPr lang="en-US"/>
               <a:t>Fourth level</a:t>
             </a:r>
           </a:p>
           <a:p>
             <a:pPr lvl="4"/>
             <a:r>
-              <a:rPr lang="en-US" smtClean="0"/>
+              <a:rPr lang="en-US"/>
               <a:t>Fifth level</a:t>
             </a:r>
-            <a:endParaRPr lang="en-US"/>
           </a:p>
         </p:txBody>
       </p:sp>
@@ -1359,7 +1348,7 @@
           <a:p>
             <a:fld id="{6160CE2C-618F-9444-BA8A-58E4C525A399}" type="datetimeFigureOut">
               <a:rPr lang="en-US" smtClean="0"/>
-              <a:t>12/31/17</a:t>
+              <a:t>3/26/19</a:t>
             </a:fld>
             <a:endParaRPr lang="en-US"/>
           </a:p>
@@ -1457,10 +1446,9 @@
           </a:lstStyle>
           <a:p>
             <a:r>
-              <a:rPr lang="en-US" smtClean="0"/>
+              <a:rPr lang="en-US"/>
               <a:t>Click to edit Master title style</a:t>
             </a:r>
-            <a:endParaRPr lang="en-US"/>
           </a:p>
         </p:txBody>
       </p:sp>
@@ -1523,7 +1511,7 @@
           <a:p>
             <a:pPr lvl="0"/>
             <a:r>
-              <a:rPr lang="en-US" smtClean="0"/>
+              <a:rPr lang="en-US"/>
               <a:t>Click to edit Master text styles</a:t>
             </a:r>
           </a:p>
@@ -1579,38 +1567,37 @@
           <a:p>
             <a:pPr lvl="0"/>
             <a:r>
-              <a:rPr lang="en-US" smtClean="0"/>
+              <a:rPr lang="en-US"/>
               <a:t>Click to edit Master text styles</a:t>
             </a:r>
           </a:p>
           <a:p>
             <a:pPr lvl="1"/>
             <a:r>
-              <a:rPr lang="en-US" smtClean="0"/>
+              <a:rPr lang="en-US"/>
               <a:t>Second level</a:t>
             </a:r>
           </a:p>
           <a:p>
             <a:pPr lvl="2"/>
             <a:r>
-              <a:rPr lang="en-US" smtClean="0"/>
+              <a:rPr lang="en-US"/>
               <a:t>Third level</a:t>
             </a:r>
           </a:p>
           <a:p>
             <a:pPr lvl="3"/>
             <a:r>
-              <a:rPr lang="en-US" smtClean="0"/>
+              <a:rPr lang="en-US"/>
               <a:t>Fourth level</a:t>
             </a:r>
           </a:p>
           <a:p>
             <a:pPr lvl="4"/>
             <a:r>
-              <a:rPr lang="en-US" smtClean="0"/>
+              <a:rPr lang="en-US"/>
               <a:t>Fifth level</a:t>
             </a:r>
-            <a:endParaRPr lang="en-US"/>
           </a:p>
         </p:txBody>
       </p:sp>
@@ -1673,7 +1660,7 @@
           <a:p>
             <a:pPr lvl="0"/>
             <a:r>
-              <a:rPr lang="en-US" smtClean="0"/>
+              <a:rPr lang="en-US"/>
               <a:t>Click to edit Master text styles</a:t>
             </a:r>
           </a:p>
@@ -1729,38 +1716,37 @@
           <a:p>
             <a:pPr lvl="0"/>
             <a:r>
-              <a:rPr lang="en-US" smtClean="0"/>
+              <a:rPr lang="en-US"/>
               <a:t>Click to edit Master text styles</a:t>
             </a:r>
           </a:p>
           <a:p>
             <a:pPr lvl="1"/>
             <a:r>
-              <a:rPr lang="en-US" smtClean="0"/>
+              <a:rPr lang="en-US"/>
               <a:t>Second level</a:t>
             </a:r>
           </a:p>
           <a:p>
             <a:pPr lvl="2"/>
             <a:r>
-              <a:rPr lang="en-US" smtClean="0"/>
+              <a:rPr lang="en-US"/>
               <a:t>Third level</a:t>
             </a:r>
           </a:p>
           <a:p>
             <a:pPr lvl="3"/>
             <a:r>
-              <a:rPr lang="en-US" smtClean="0"/>
+              <a:rPr lang="en-US"/>
               <a:t>Fourth level</a:t>
             </a:r>
           </a:p>
           <a:p>
             <a:pPr lvl="4"/>
             <a:r>
-              <a:rPr lang="en-US" smtClean="0"/>
+              <a:rPr lang="en-US"/>
               <a:t>Fifth level</a:t>
             </a:r>
-            <a:endParaRPr lang="en-US"/>
           </a:p>
         </p:txBody>
       </p:sp>
@@ -1781,7 +1767,7 @@
           <a:p>
             <a:fld id="{6160CE2C-618F-9444-BA8A-58E4C525A399}" type="datetimeFigureOut">
               <a:rPr lang="en-US" smtClean="0"/>
-              <a:t>12/31/17</a:t>
+              <a:t>3/26/19</a:t>
             </a:fld>
             <a:endParaRPr lang="en-US"/>
           </a:p>
@@ -1875,10 +1861,9 @@
           <a:lstStyle/>
           <a:p>
             <a:r>
-              <a:rPr lang="en-US" smtClean="0"/>
+              <a:rPr lang="en-US"/>
               <a:t>Click to edit Master title style</a:t>
             </a:r>
-            <a:endParaRPr lang="en-US"/>
           </a:p>
         </p:txBody>
       </p:sp>
@@ -1899,7 +1884,7 @@
           <a:p>
             <a:fld id="{6160CE2C-618F-9444-BA8A-58E4C525A399}" type="datetimeFigureOut">
               <a:rPr lang="en-US" smtClean="0"/>
-              <a:t>12/31/17</a:t>
+              <a:t>3/26/19</a:t>
             </a:fld>
             <a:endParaRPr lang="en-US"/>
           </a:p>
@@ -1994,7 +1979,7 @@
           <a:p>
             <a:fld id="{6160CE2C-618F-9444-BA8A-58E4C525A399}" type="datetimeFigureOut">
               <a:rPr lang="en-US" smtClean="0"/>
-              <a:t>12/31/17</a:t>
+              <a:t>3/26/19</a:t>
             </a:fld>
             <a:endParaRPr lang="en-US"/>
           </a:p>
@@ -2097,10 +2082,9 @@
           </a:lstStyle>
           <a:p>
             <a:r>
-              <a:rPr lang="en-US" smtClean="0"/>
+              <a:rPr lang="en-US"/>
               <a:t>Click to edit Master title style</a:t>
             </a:r>
-            <a:endParaRPr lang="en-US"/>
           </a:p>
         </p:txBody>
       </p:sp>
@@ -2154,38 +2138,37 @@
           <a:p>
             <a:pPr lvl="0"/>
             <a:r>
-              <a:rPr lang="en-US" smtClean="0"/>
+              <a:rPr lang="en-US"/>
               <a:t>Click to edit Master text styles</a:t>
             </a:r>
           </a:p>
           <a:p>
             <a:pPr lvl="1"/>
             <a:r>
-              <a:rPr lang="en-US" smtClean="0"/>
+              <a:rPr lang="en-US"/>
               <a:t>Second level</a:t>
             </a:r>
           </a:p>
           <a:p>
             <a:pPr lvl="2"/>
             <a:r>
-              <a:rPr lang="en-US" smtClean="0"/>
+              <a:rPr lang="en-US"/>
               <a:t>Third level</a:t>
             </a:r>
           </a:p>
           <a:p>
             <a:pPr lvl="3"/>
             <a:r>
-              <a:rPr lang="en-US" smtClean="0"/>
+              <a:rPr lang="en-US"/>
               <a:t>Fourth level</a:t>
             </a:r>
           </a:p>
           <a:p>
             <a:pPr lvl="4"/>
             <a:r>
-              <a:rPr lang="en-US" smtClean="0"/>
+              <a:rPr lang="en-US"/>
               <a:t>Fifth level</a:t>
             </a:r>
-            <a:endParaRPr lang="en-US"/>
           </a:p>
         </p:txBody>
       </p:sp>
@@ -2248,7 +2231,7 @@
           <a:p>
             <a:pPr lvl="0"/>
             <a:r>
-              <a:rPr lang="en-US" smtClean="0"/>
+              <a:rPr lang="en-US"/>
               <a:t>Click to edit Master text styles</a:t>
             </a:r>
           </a:p>
@@ -2271,7 +2254,7 @@
           <a:p>
             <a:fld id="{6160CE2C-618F-9444-BA8A-58E4C525A399}" type="datetimeFigureOut">
               <a:rPr lang="en-US" smtClean="0"/>
-              <a:t>12/31/17</a:t>
+              <a:t>3/26/19</a:t>
             </a:fld>
             <a:endParaRPr lang="en-US"/>
           </a:p>
@@ -2374,10 +2357,9 @@
           </a:lstStyle>
           <a:p>
             <a:r>
-              <a:rPr lang="en-US" smtClean="0"/>
+              <a:rPr lang="en-US"/>
               <a:t>Click to edit Master title style</a:t>
             </a:r>
-            <a:endParaRPr lang="en-US"/>
           </a:p>
         </p:txBody>
       </p:sp>
@@ -2501,7 +2483,7 @@
           <a:p>
             <a:pPr lvl="0"/>
             <a:r>
-              <a:rPr lang="en-US" smtClean="0"/>
+              <a:rPr lang="en-US"/>
               <a:t>Click to edit Master text styles</a:t>
             </a:r>
           </a:p>
@@ -2524,7 +2506,7 @@
           <a:p>
             <a:fld id="{6160CE2C-618F-9444-BA8A-58E4C525A399}" type="datetimeFigureOut">
               <a:rPr lang="en-US" smtClean="0"/>
-              <a:t>12/31/17</a:t>
+              <a:t>3/26/19</a:t>
             </a:fld>
             <a:endParaRPr lang="en-US"/>
           </a:p>
@@ -2633,10 +2615,9 @@
           <a:lstStyle/>
           <a:p>
             <a:r>
-              <a:rPr lang="en-US" smtClean="0"/>
+              <a:rPr lang="en-US"/>
               <a:t>Click to edit Master title style</a:t>
             </a:r>
-            <a:endParaRPr lang="en-US"/>
           </a:p>
         </p:txBody>
       </p:sp>
@@ -2667,38 +2648,37 @@
           <a:p>
             <a:pPr lvl="0"/>
             <a:r>
-              <a:rPr lang="en-US" smtClean="0"/>
+              <a:rPr lang="en-US"/>
               <a:t>Click to edit Master text styles</a:t>
             </a:r>
           </a:p>
           <a:p>
             <a:pPr lvl="1"/>
             <a:r>
-              <a:rPr lang="en-US" smtClean="0"/>
+              <a:rPr lang="en-US"/>
               <a:t>Second level</a:t>
             </a:r>
           </a:p>
           <a:p>
             <a:pPr lvl="2"/>
             <a:r>
-              <a:rPr lang="en-US" smtClean="0"/>
+              <a:rPr lang="en-US"/>
               <a:t>Third level</a:t>
             </a:r>
           </a:p>
           <a:p>
             <a:pPr lvl="3"/>
             <a:r>
-              <a:rPr lang="en-US" smtClean="0"/>
+              <a:rPr lang="en-US"/>
               <a:t>Fourth level</a:t>
             </a:r>
           </a:p>
           <a:p>
             <a:pPr lvl="4"/>
             <a:r>
-              <a:rPr lang="en-US" smtClean="0"/>
+              <a:rPr lang="en-US"/>
               <a:t>Fifth level</a:t>
             </a:r>
-            <a:endParaRPr lang="en-US"/>
           </a:p>
         </p:txBody>
       </p:sp>
@@ -2737,7 +2717,7 @@
           <a:p>
             <a:fld id="{6160CE2C-618F-9444-BA8A-58E4C525A399}" type="datetimeFigureOut">
               <a:rPr lang="en-US" smtClean="0"/>
-              <a:t>12/31/17</a:t>
+              <a:t>3/26/19</a:t>
             </a:fld>
             <a:endParaRPr lang="en-US"/>
           </a:p>
@@ -3205,18 +3185,13 @@
             <a:p>
               <a:pPr algn="ctr"/>
               <a:r>
-                <a:rPr lang="en-US" sz="6600" b="1" dirty="0" smtClean="0">
+                <a:rPr lang="en-US" sz="6600" b="1" dirty="0">
                   <a:solidFill>
                     <a:schemeClr val="bg1"/>
                   </a:solidFill>
                 </a:rPr>
                 <a:t>Vets who Code</a:t>
               </a:r>
-              <a:endParaRPr lang="en-US" sz="6600" b="1" dirty="0">
-                <a:solidFill>
-                  <a:schemeClr val="bg1"/>
-                </a:solidFill>
-              </a:endParaRPr>
             </a:p>
           </p:txBody>
         </p:sp>
@@ -3374,18 +3349,13 @@
             <a:p>
               <a:pPr algn="ctr"/>
               <a:r>
-                <a:rPr lang="en-US" sz="6000" b="1" dirty="0" smtClean="0">
+                <a:rPr lang="en-US" sz="6000" b="1" dirty="0">
                   <a:solidFill>
                     <a:schemeClr val="bg1"/>
                   </a:solidFill>
                 </a:rPr>
                 <a:t>Experimental Design</a:t>
               </a:r>
-              <a:endParaRPr lang="en-US" sz="6000" b="1" dirty="0">
-                <a:solidFill>
-                  <a:schemeClr val="bg1"/>
-                </a:solidFill>
-              </a:endParaRPr>
             </a:p>
           </p:txBody>
         </p:sp>
@@ -3424,6 +3394,169 @@
     <p:extLst>
       <p:ext uri="{BB962C8B-B14F-4D97-AF65-F5344CB8AC3E}">
         <p14:creationId xmlns:p14="http://schemas.microsoft.com/office/powerpoint/2010/main" val="646271757"/>
+      </p:ext>
+    </p:extLst>
+  </p:cSld>
+  <p:clrMapOvr>
+    <a:masterClrMapping/>
+  </p:clrMapOvr>
+</p:sld>
+</file>
+
+<file path=ppt/slides/slide3.xml><?xml version="1.0" encoding="utf-8"?>
+<p:sld xmlns:a="http://schemas.openxmlformats.org/drawingml/2006/main" xmlns:r="http://schemas.openxmlformats.org/officeDocument/2006/relationships" xmlns:p="http://schemas.openxmlformats.org/presentationml/2006/main">
+  <p:cSld>
+    <p:bg>
+      <p:bgPr>
+        <a:solidFill>
+          <a:schemeClr val="tx1"/>
+        </a:solidFill>
+        <a:effectLst/>
+      </p:bgPr>
+    </p:bg>
+    <p:spTree>
+      <p:nvGrpSpPr>
+        <p:cNvPr id="1" name=""/>
+        <p:cNvGrpSpPr/>
+        <p:nvPr/>
+      </p:nvGrpSpPr>
+      <p:grpSpPr>
+        <a:xfrm>
+          <a:off x="0" y="0"/>
+          <a:ext cx="0" cy="0"/>
+          <a:chOff x="0" y="0"/>
+          <a:chExt cx="0" cy="0"/>
+        </a:xfrm>
+      </p:grpSpPr>
+      <p:grpSp>
+        <p:nvGrpSpPr>
+          <p:cNvPr id="12" name="Group 11"/>
+          <p:cNvGrpSpPr/>
+          <p:nvPr/>
+        </p:nvGrpSpPr>
+        <p:grpSpPr>
+          <a:xfrm>
+            <a:off x="2014968" y="580374"/>
+            <a:ext cx="5781591" cy="5781591"/>
+            <a:chOff x="411058" y="580375"/>
+            <a:chExt cx="2078182" cy="2078182"/>
+          </a:xfrm>
+        </p:grpSpPr>
+        <p:sp>
+          <p:nvSpPr>
+            <p:cNvPr id="13" name="Rounded Rectangle 12"/>
+            <p:cNvSpPr/>
+            <p:nvPr/>
+          </p:nvSpPr>
+          <p:spPr>
+            <a:xfrm>
+              <a:off x="411058" y="580375"/>
+              <a:ext cx="2078182" cy="2078182"/>
+            </a:xfrm>
+            <a:prstGeom prst="roundRect">
+              <a:avLst/>
+            </a:prstGeom>
+            <a:solidFill>
+              <a:schemeClr val="tx1"/>
+            </a:solidFill>
+            <a:ln w="88900" cmpd="sng">
+              <a:solidFill>
+                <a:schemeClr val="bg1"/>
+              </a:solidFill>
+            </a:ln>
+            <a:effectLst/>
+          </p:spPr>
+          <p:style>
+            <a:lnRef idx="1">
+              <a:schemeClr val="accent1"/>
+            </a:lnRef>
+            <a:fillRef idx="3">
+              <a:schemeClr val="accent1"/>
+            </a:fillRef>
+            <a:effectRef idx="2">
+              <a:schemeClr val="accent1"/>
+            </a:effectRef>
+            <a:fontRef idx="minor">
+              <a:schemeClr val="lt1"/>
+            </a:fontRef>
+          </p:style>
+          <p:txBody>
+            <a:bodyPr rtlCol="0" anchor="ctr"/>
+            <a:lstStyle/>
+            <a:p>
+              <a:pPr algn="ctr"/>
+              <a:endParaRPr lang="en-US"/>
+            </a:p>
+          </p:txBody>
+        </p:sp>
+        <p:sp>
+          <p:nvSpPr>
+            <p:cNvPr id="15" name="TextBox 14"/>
+            <p:cNvSpPr txBox="1"/>
+            <p:nvPr/>
+          </p:nvSpPr>
+          <p:spPr>
+            <a:xfrm>
+              <a:off x="411058" y="675009"/>
+              <a:ext cx="2078182" cy="696967"/>
+            </a:xfrm>
+            <a:prstGeom prst="rect">
+              <a:avLst/>
+            </a:prstGeom>
+            <a:noFill/>
+          </p:spPr>
+          <p:txBody>
+            <a:bodyPr wrap="square" rtlCol="0">
+              <a:spAutoFit/>
+            </a:bodyPr>
+            <a:lstStyle/>
+            <a:p>
+              <a:pPr algn="ctr"/>
+              <a:r>
+                <a:rPr lang="en-US" sz="6000" b="1" dirty="0">
+                  <a:solidFill>
+                    <a:schemeClr val="bg1"/>
+                  </a:solidFill>
+                </a:rPr>
+                <a:t>Effective Population Size</a:t>
+              </a:r>
+            </a:p>
+          </p:txBody>
+        </p:sp>
+      </p:grpSp>
+      <p:pic>
+        <p:nvPicPr>
+          <p:cNvPr id="6" name="Picture 5">
+            <a:extLst>
+              <a:ext uri="{FF2B5EF4-FFF2-40B4-BE49-F238E27FC236}">
+                <a16:creationId xmlns:a16="http://schemas.microsoft.com/office/drawing/2014/main" id="{06F23F8F-F8C1-754C-B49D-4AC61AA153CD}"/>
+              </a:ext>
+            </a:extLst>
+          </p:cNvPr>
+          <p:cNvPicPr>
+            <a:picLocks noChangeAspect="1"/>
+          </p:cNvPicPr>
+          <p:nvPr/>
+        </p:nvPicPr>
+        <p:blipFill rotWithShape="1">
+          <a:blip r:embed="rId2"/>
+          <a:srcRect b="15732"/>
+          <a:stretch/>
+        </p:blipFill>
+        <p:spPr>
+          <a:xfrm>
+            <a:off x="3761028" y="2910663"/>
+            <a:ext cx="2292300" cy="3279354"/>
+          </a:xfrm>
+          <a:prstGeom prst="rect">
+            <a:avLst/>
+          </a:prstGeom>
+        </p:spPr>
+      </p:pic>
+    </p:spTree>
+    <p:extLst>
+      <p:ext uri="{BB962C8B-B14F-4D97-AF65-F5344CB8AC3E}">
+        <p14:creationId xmlns:p14="http://schemas.microsoft.com/office/powerpoint/2010/main" val="2837930789"/>
       </p:ext>
     </p:extLst>
   </p:cSld>

--- a/buttons.pptx
+++ b/buttons.pptx
@@ -8,6 +8,7 @@
     <p:sldId id="256" r:id="rId2"/>
     <p:sldId id="257" r:id="rId3"/>
     <p:sldId id="258" r:id="rId4"/>
+    <p:sldId id="259" r:id="rId5"/>
   </p:sldIdLst>
   <p:sldSz cx="9144000" cy="6858000" type="screen4x3"/>
   <p:notesSz cx="6858000" cy="9144000"/>
@@ -304,7 +305,7 @@
           <a:p>
             <a:fld id="{6160CE2C-618F-9444-BA8A-58E4C525A399}" type="datetimeFigureOut">
               <a:rPr lang="en-US" smtClean="0"/>
-              <a:t>3/26/19</a:t>
+              <a:t>3/27/19</a:t>
             </a:fld>
             <a:endParaRPr lang="en-US"/>
           </a:p>
@@ -472,7 +473,7 @@
           <a:p>
             <a:fld id="{6160CE2C-618F-9444-BA8A-58E4C525A399}" type="datetimeFigureOut">
               <a:rPr lang="en-US" smtClean="0"/>
-              <a:t>3/26/19</a:t>
+              <a:t>3/27/19</a:t>
             </a:fld>
             <a:endParaRPr lang="en-US"/>
           </a:p>
@@ -650,7 +651,7 @@
           <a:p>
             <a:fld id="{6160CE2C-618F-9444-BA8A-58E4C525A399}" type="datetimeFigureOut">
               <a:rPr lang="en-US" smtClean="0"/>
-              <a:t>3/26/19</a:t>
+              <a:t>3/27/19</a:t>
             </a:fld>
             <a:endParaRPr lang="en-US"/>
           </a:p>
@@ -818,7 +819,7 @@
           <a:p>
             <a:fld id="{6160CE2C-618F-9444-BA8A-58E4C525A399}" type="datetimeFigureOut">
               <a:rPr lang="en-US" smtClean="0"/>
-              <a:t>3/26/19</a:t>
+              <a:t>3/27/19</a:t>
             </a:fld>
             <a:endParaRPr lang="en-US"/>
           </a:p>
@@ -1063,7 +1064,7 @@
           <a:p>
             <a:fld id="{6160CE2C-618F-9444-BA8A-58E4C525A399}" type="datetimeFigureOut">
               <a:rPr lang="en-US" smtClean="0"/>
-              <a:t>3/26/19</a:t>
+              <a:t>3/27/19</a:t>
             </a:fld>
             <a:endParaRPr lang="en-US"/>
           </a:p>
@@ -1348,7 +1349,7 @@
           <a:p>
             <a:fld id="{6160CE2C-618F-9444-BA8A-58E4C525A399}" type="datetimeFigureOut">
               <a:rPr lang="en-US" smtClean="0"/>
-              <a:t>3/26/19</a:t>
+              <a:t>3/27/19</a:t>
             </a:fld>
             <a:endParaRPr lang="en-US"/>
           </a:p>
@@ -1767,7 +1768,7 @@
           <a:p>
             <a:fld id="{6160CE2C-618F-9444-BA8A-58E4C525A399}" type="datetimeFigureOut">
               <a:rPr lang="en-US" smtClean="0"/>
-              <a:t>3/26/19</a:t>
+              <a:t>3/27/19</a:t>
             </a:fld>
             <a:endParaRPr lang="en-US"/>
           </a:p>
@@ -1884,7 +1885,7 @@
           <a:p>
             <a:fld id="{6160CE2C-618F-9444-BA8A-58E4C525A399}" type="datetimeFigureOut">
               <a:rPr lang="en-US" smtClean="0"/>
-              <a:t>3/26/19</a:t>
+              <a:t>3/27/19</a:t>
             </a:fld>
             <a:endParaRPr lang="en-US"/>
           </a:p>
@@ -1979,7 +1980,7 @@
           <a:p>
             <a:fld id="{6160CE2C-618F-9444-BA8A-58E4C525A399}" type="datetimeFigureOut">
               <a:rPr lang="en-US" smtClean="0"/>
-              <a:t>3/26/19</a:t>
+              <a:t>3/27/19</a:t>
             </a:fld>
             <a:endParaRPr lang="en-US"/>
           </a:p>
@@ -2254,7 +2255,7 @@
           <a:p>
             <a:fld id="{6160CE2C-618F-9444-BA8A-58E4C525A399}" type="datetimeFigureOut">
               <a:rPr lang="en-US" smtClean="0"/>
-              <a:t>3/26/19</a:t>
+              <a:t>3/27/19</a:t>
             </a:fld>
             <a:endParaRPr lang="en-US"/>
           </a:p>
@@ -2506,7 +2507,7 @@
           <a:p>
             <a:fld id="{6160CE2C-618F-9444-BA8A-58E4C525A399}" type="datetimeFigureOut">
               <a:rPr lang="en-US" smtClean="0"/>
-              <a:t>3/26/19</a:t>
+              <a:t>3/27/19</a:t>
             </a:fld>
             <a:endParaRPr lang="en-US"/>
           </a:p>
@@ -2717,7 +2718,7 @@
           <a:p>
             <a:fld id="{6160CE2C-618F-9444-BA8A-58E4C525A399}" type="datetimeFigureOut">
               <a:rPr lang="en-US" smtClean="0"/>
-              <a:t>3/26/19</a:t>
+              <a:t>3/27/19</a:t>
             </a:fld>
             <a:endParaRPr lang="en-US"/>
           </a:p>
@@ -3566,6 +3567,390 @@
 </p:sld>
 </file>
 
+<file path=ppt/slides/slide4.xml><?xml version="1.0" encoding="utf-8"?>
+<p:sld xmlns:a="http://schemas.openxmlformats.org/drawingml/2006/main" xmlns:r="http://schemas.openxmlformats.org/officeDocument/2006/relationships" xmlns:p="http://schemas.openxmlformats.org/presentationml/2006/main">
+  <p:cSld>
+    <p:bg>
+      <p:bgPr>
+        <a:solidFill>
+          <a:schemeClr val="tx1"/>
+        </a:solidFill>
+        <a:effectLst/>
+      </p:bgPr>
+    </p:bg>
+    <p:spTree>
+      <p:nvGrpSpPr>
+        <p:cNvPr id="1" name=""/>
+        <p:cNvGrpSpPr/>
+        <p:nvPr/>
+      </p:nvGrpSpPr>
+      <p:grpSpPr>
+        <a:xfrm>
+          <a:off x="0" y="0"/>
+          <a:ext cx="0" cy="0"/>
+          <a:chOff x="0" y="0"/>
+          <a:chExt cx="0" cy="0"/>
+        </a:xfrm>
+      </p:grpSpPr>
+      <p:grpSp>
+        <p:nvGrpSpPr>
+          <p:cNvPr id="12" name="Group 11"/>
+          <p:cNvGrpSpPr/>
+          <p:nvPr/>
+        </p:nvGrpSpPr>
+        <p:grpSpPr>
+          <a:xfrm>
+            <a:off x="2014968" y="580374"/>
+            <a:ext cx="5781591" cy="5781591"/>
+            <a:chOff x="411058" y="580375"/>
+            <a:chExt cx="2078182" cy="2078182"/>
+          </a:xfrm>
+        </p:grpSpPr>
+        <p:sp>
+          <p:nvSpPr>
+            <p:cNvPr id="13" name="Rounded Rectangle 12"/>
+            <p:cNvSpPr/>
+            <p:nvPr/>
+          </p:nvSpPr>
+          <p:spPr>
+            <a:xfrm>
+              <a:off x="411058" y="580375"/>
+              <a:ext cx="2078182" cy="2078182"/>
+            </a:xfrm>
+            <a:prstGeom prst="roundRect">
+              <a:avLst/>
+            </a:prstGeom>
+            <a:solidFill>
+              <a:schemeClr val="tx1"/>
+            </a:solidFill>
+            <a:ln w="88900" cmpd="sng">
+              <a:solidFill>
+                <a:schemeClr val="bg1"/>
+              </a:solidFill>
+            </a:ln>
+            <a:effectLst/>
+          </p:spPr>
+          <p:style>
+            <a:lnRef idx="1">
+              <a:schemeClr val="accent1"/>
+            </a:lnRef>
+            <a:fillRef idx="3">
+              <a:schemeClr val="accent1"/>
+            </a:fillRef>
+            <a:effectRef idx="2">
+              <a:schemeClr val="accent1"/>
+            </a:effectRef>
+            <a:fontRef idx="minor">
+              <a:schemeClr val="lt1"/>
+            </a:fontRef>
+          </p:style>
+          <p:txBody>
+            <a:bodyPr rtlCol="0" anchor="ctr"/>
+            <a:lstStyle/>
+            <a:p>
+              <a:pPr algn="ctr"/>
+              <a:endParaRPr lang="en-US"/>
+            </a:p>
+          </p:txBody>
+        </p:sp>
+        <p:sp>
+          <p:nvSpPr>
+            <p:cNvPr id="15" name="TextBox 14"/>
+            <p:cNvSpPr txBox="1"/>
+            <p:nvPr/>
+          </p:nvSpPr>
+          <p:spPr>
+            <a:xfrm>
+              <a:off x="411058" y="675009"/>
+              <a:ext cx="2078182" cy="696967"/>
+            </a:xfrm>
+            <a:prstGeom prst="rect">
+              <a:avLst/>
+            </a:prstGeom>
+            <a:noFill/>
+          </p:spPr>
+          <p:txBody>
+            <a:bodyPr wrap="square" rtlCol="0">
+              <a:spAutoFit/>
+            </a:bodyPr>
+            <a:lstStyle/>
+            <a:p>
+              <a:pPr algn="ctr"/>
+              <a:r>
+                <a:rPr lang="en-US" sz="6000" b="1" dirty="0">
+                  <a:solidFill>
+                    <a:schemeClr val="bg1"/>
+                  </a:solidFill>
+                </a:rPr>
+                <a:t>TAMU Phylo</a:t>
+              </a:r>
+            </a:p>
+            <a:p>
+              <a:pPr algn="ctr"/>
+              <a:r>
+                <a:rPr lang="en-US" sz="6000" b="1" dirty="0">
+                  <a:solidFill>
+                    <a:schemeClr val="bg1"/>
+                  </a:solidFill>
+                </a:rPr>
+                <a:t>Group</a:t>
+              </a:r>
+            </a:p>
+          </p:txBody>
+        </p:sp>
+      </p:grpSp>
+      <p:grpSp>
+        <p:nvGrpSpPr>
+          <p:cNvPr id="20" name="Group 19">
+            <a:extLst>
+              <a:ext uri="{FF2B5EF4-FFF2-40B4-BE49-F238E27FC236}">
+                <a16:creationId xmlns:a16="http://schemas.microsoft.com/office/drawing/2014/main" id="{53C1BB70-AD8B-6741-989B-009D9CD640BA}"/>
+              </a:ext>
+            </a:extLst>
+          </p:cNvPr>
+          <p:cNvGrpSpPr/>
+          <p:nvPr/>
+        </p:nvGrpSpPr>
+        <p:grpSpPr>
+          <a:xfrm>
+            <a:off x="2675919" y="2972103"/>
+            <a:ext cx="4251960" cy="2560320"/>
+            <a:chOff x="3544599" y="2524047"/>
+            <a:chExt cx="4251960" cy="2560320"/>
+          </a:xfrm>
+        </p:grpSpPr>
+        <p:cxnSp>
+          <p:nvCxnSpPr>
+            <p:cNvPr id="3" name="Straight Connector 2">
+              <a:extLst>
+                <a:ext uri="{FF2B5EF4-FFF2-40B4-BE49-F238E27FC236}">
+                  <a16:creationId xmlns:a16="http://schemas.microsoft.com/office/drawing/2014/main" id="{8B4B164A-1A5F-9540-A7B9-3246869D4125}"/>
+                </a:ext>
+              </a:extLst>
+            </p:cNvPr>
+            <p:cNvCxnSpPr>
+              <a:cxnSpLocks/>
+            </p:cNvCxnSpPr>
+            <p:nvPr/>
+          </p:nvCxnSpPr>
+          <p:spPr>
+            <a:xfrm flipV="1">
+              <a:off x="3544599" y="2524047"/>
+              <a:ext cx="4251960" cy="1536192"/>
+            </a:xfrm>
+            <a:prstGeom prst="line">
+              <a:avLst/>
+            </a:prstGeom>
+            <a:ln w="57150">
+              <a:solidFill>
+                <a:schemeClr val="bg1"/>
+              </a:solidFill>
+            </a:ln>
+            <a:effectLst/>
+          </p:spPr>
+          <p:style>
+            <a:lnRef idx="2">
+              <a:schemeClr val="accent1"/>
+            </a:lnRef>
+            <a:fillRef idx="0">
+              <a:schemeClr val="accent1"/>
+            </a:fillRef>
+            <a:effectRef idx="1">
+              <a:schemeClr val="accent1"/>
+            </a:effectRef>
+            <a:fontRef idx="minor">
+              <a:schemeClr val="tx1"/>
+            </a:fontRef>
+          </p:style>
+        </p:cxnSp>
+        <p:cxnSp>
+          <p:nvCxnSpPr>
+            <p:cNvPr id="5" name="Straight Connector 4">
+              <a:extLst>
+                <a:ext uri="{FF2B5EF4-FFF2-40B4-BE49-F238E27FC236}">
+                  <a16:creationId xmlns:a16="http://schemas.microsoft.com/office/drawing/2014/main" id="{DDD7FF2D-5EC7-3A4D-83A2-D1E8D63C3DDB}"/>
+                </a:ext>
+              </a:extLst>
+            </p:cNvPr>
+            <p:cNvCxnSpPr>
+              <a:cxnSpLocks/>
+            </p:cNvCxnSpPr>
+            <p:nvPr/>
+          </p:nvCxnSpPr>
+          <p:spPr>
+            <a:xfrm>
+              <a:off x="3553743" y="4060239"/>
+              <a:ext cx="4224528" cy="1024128"/>
+            </a:xfrm>
+            <a:prstGeom prst="line">
+              <a:avLst/>
+            </a:prstGeom>
+            <a:ln w="57150">
+              <a:solidFill>
+                <a:schemeClr val="bg1"/>
+              </a:solidFill>
+            </a:ln>
+            <a:effectLst/>
+          </p:spPr>
+          <p:style>
+            <a:lnRef idx="2">
+              <a:schemeClr val="accent1"/>
+            </a:lnRef>
+            <a:fillRef idx="0">
+              <a:schemeClr val="accent1"/>
+            </a:fillRef>
+            <a:effectRef idx="1">
+              <a:schemeClr val="accent1"/>
+            </a:effectRef>
+            <a:fontRef idx="minor">
+              <a:schemeClr val="tx1"/>
+            </a:fontRef>
+          </p:style>
+        </p:cxnSp>
+        <p:cxnSp>
+          <p:nvCxnSpPr>
+            <p:cNvPr id="8" name="Straight Connector 7">
+              <a:extLst>
+                <a:ext uri="{FF2B5EF4-FFF2-40B4-BE49-F238E27FC236}">
+                  <a16:creationId xmlns:a16="http://schemas.microsoft.com/office/drawing/2014/main" id="{331CA7BD-DE29-DB4A-A33A-E63ECA2AB95B}"/>
+                </a:ext>
+              </a:extLst>
+            </p:cNvPr>
+            <p:cNvCxnSpPr>
+              <a:cxnSpLocks/>
+            </p:cNvCxnSpPr>
+            <p:nvPr/>
+          </p:nvCxnSpPr>
+          <p:spPr>
+            <a:xfrm>
+              <a:off x="4846320" y="3593592"/>
+              <a:ext cx="2950239" cy="749808"/>
+            </a:xfrm>
+            <a:prstGeom prst="line">
+              <a:avLst/>
+            </a:prstGeom>
+            <a:ln w="57150">
+              <a:solidFill>
+                <a:schemeClr val="bg1"/>
+              </a:solidFill>
+            </a:ln>
+            <a:effectLst/>
+          </p:spPr>
+          <p:style>
+            <a:lnRef idx="2">
+              <a:schemeClr val="accent1"/>
+            </a:lnRef>
+            <a:fillRef idx="0">
+              <a:schemeClr val="accent1"/>
+            </a:fillRef>
+            <a:effectRef idx="1">
+              <a:schemeClr val="accent1"/>
+            </a:effectRef>
+            <a:fontRef idx="minor">
+              <a:schemeClr val="tx1"/>
+            </a:fontRef>
+          </p:style>
+        </p:cxnSp>
+        <p:cxnSp>
+          <p:nvCxnSpPr>
+            <p:cNvPr id="10" name="Straight Connector 9">
+              <a:extLst>
+                <a:ext uri="{FF2B5EF4-FFF2-40B4-BE49-F238E27FC236}">
+                  <a16:creationId xmlns:a16="http://schemas.microsoft.com/office/drawing/2014/main" id="{FDE32200-BF50-8A47-8896-8A79B95D95D2}"/>
+                </a:ext>
+              </a:extLst>
+            </p:cNvPr>
+            <p:cNvCxnSpPr>
+              <a:cxnSpLocks/>
+            </p:cNvCxnSpPr>
+            <p:nvPr/>
+          </p:nvCxnSpPr>
+          <p:spPr>
+            <a:xfrm flipV="1">
+              <a:off x="6839712" y="3675888"/>
+              <a:ext cx="956847" cy="411784"/>
+            </a:xfrm>
+            <a:prstGeom prst="line">
+              <a:avLst/>
+            </a:prstGeom>
+            <a:ln w="57150">
+              <a:solidFill>
+                <a:schemeClr val="bg1"/>
+              </a:solidFill>
+            </a:ln>
+            <a:effectLst/>
+          </p:spPr>
+          <p:style>
+            <a:lnRef idx="2">
+              <a:schemeClr val="accent1"/>
+            </a:lnRef>
+            <a:fillRef idx="0">
+              <a:schemeClr val="accent1"/>
+            </a:fillRef>
+            <a:effectRef idx="1">
+              <a:schemeClr val="accent1"/>
+            </a:effectRef>
+            <a:fontRef idx="minor">
+              <a:schemeClr val="tx1"/>
+            </a:fontRef>
+          </p:style>
+        </p:cxnSp>
+        <p:cxnSp>
+          <p:nvCxnSpPr>
+            <p:cNvPr id="19" name="Straight Connector 18">
+              <a:extLst>
+                <a:ext uri="{FF2B5EF4-FFF2-40B4-BE49-F238E27FC236}">
+                  <a16:creationId xmlns:a16="http://schemas.microsoft.com/office/drawing/2014/main" id="{EBEB8A55-E406-0840-84F2-5525C9190879}"/>
+                </a:ext>
+              </a:extLst>
+            </p:cNvPr>
+            <p:cNvCxnSpPr/>
+            <p:nvPr/>
+          </p:nvCxnSpPr>
+          <p:spPr>
+            <a:xfrm>
+              <a:off x="7132320" y="2773498"/>
+              <a:ext cx="655095" cy="189158"/>
+            </a:xfrm>
+            <a:prstGeom prst="line">
+              <a:avLst/>
+            </a:prstGeom>
+            <a:ln w="57150">
+              <a:solidFill>
+                <a:schemeClr val="bg1"/>
+              </a:solidFill>
+            </a:ln>
+            <a:effectLst/>
+          </p:spPr>
+          <p:style>
+            <a:lnRef idx="2">
+              <a:schemeClr val="accent1"/>
+            </a:lnRef>
+            <a:fillRef idx="0">
+              <a:schemeClr val="accent1"/>
+            </a:fillRef>
+            <a:effectRef idx="1">
+              <a:schemeClr val="accent1"/>
+            </a:effectRef>
+            <a:fontRef idx="minor">
+              <a:schemeClr val="tx1"/>
+            </a:fontRef>
+          </p:style>
+        </p:cxnSp>
+      </p:grpSp>
+    </p:spTree>
+    <p:extLst>
+      <p:ext uri="{BB962C8B-B14F-4D97-AF65-F5344CB8AC3E}">
+        <p14:creationId xmlns:p14="http://schemas.microsoft.com/office/powerpoint/2010/main" val="15861764"/>
+      </p:ext>
+    </p:extLst>
+  </p:cSld>
+  <p:clrMapOvr>
+    <a:masterClrMapping/>
+  </p:clrMapOvr>
+</p:sld>
+</file>
+
 <file path=ppt/theme/theme1.xml><?xml version="1.0" encoding="utf-8"?>
 <a:theme xmlns:a="http://schemas.openxmlformats.org/drawingml/2006/main" name="Office Theme">
   <a:themeElements>
@@ -3863,7 +4248,13 @@
       </a:style>
     </a:spDef>
     <a:lnDef>
-      <a:spPr/>
+      <a:spPr>
+        <a:ln w="57150">
+          <a:solidFill>
+            <a:schemeClr val="bg1"/>
+          </a:solidFill>
+        </a:ln>
+      </a:spPr>
       <a:bodyPr/>
       <a:lstStyle/>
       <a:style>

--- a/buttons.pptx
+++ b/buttons.pptx
@@ -9,6 +9,7 @@
     <p:sldId id="257" r:id="rId3"/>
     <p:sldId id="258" r:id="rId4"/>
     <p:sldId id="259" r:id="rId5"/>
+    <p:sldId id="260" r:id="rId6"/>
   </p:sldIdLst>
   <p:sldSz cx="9144000" cy="6858000" type="screen4x3"/>
   <p:notesSz cx="6858000" cy="9144000"/>
@@ -305,7 +306,7 @@
           <a:p>
             <a:fld id="{6160CE2C-618F-9444-BA8A-58E4C525A399}" type="datetimeFigureOut">
               <a:rPr lang="en-US" smtClean="0"/>
-              <a:t>3/27/19</a:t>
+              <a:t>8/13/19</a:t>
             </a:fld>
             <a:endParaRPr lang="en-US"/>
           </a:p>
@@ -473,7 +474,7 @@
           <a:p>
             <a:fld id="{6160CE2C-618F-9444-BA8A-58E4C525A399}" type="datetimeFigureOut">
               <a:rPr lang="en-US" smtClean="0"/>
-              <a:t>3/27/19</a:t>
+              <a:t>8/13/19</a:t>
             </a:fld>
             <a:endParaRPr lang="en-US"/>
           </a:p>
@@ -651,7 +652,7 @@
           <a:p>
             <a:fld id="{6160CE2C-618F-9444-BA8A-58E4C525A399}" type="datetimeFigureOut">
               <a:rPr lang="en-US" smtClean="0"/>
-              <a:t>3/27/19</a:t>
+              <a:t>8/13/19</a:t>
             </a:fld>
             <a:endParaRPr lang="en-US"/>
           </a:p>
@@ -819,7 +820,7 @@
           <a:p>
             <a:fld id="{6160CE2C-618F-9444-BA8A-58E4C525A399}" type="datetimeFigureOut">
               <a:rPr lang="en-US" smtClean="0"/>
-              <a:t>3/27/19</a:t>
+              <a:t>8/13/19</a:t>
             </a:fld>
             <a:endParaRPr lang="en-US"/>
           </a:p>
@@ -1064,7 +1065,7 @@
           <a:p>
             <a:fld id="{6160CE2C-618F-9444-BA8A-58E4C525A399}" type="datetimeFigureOut">
               <a:rPr lang="en-US" smtClean="0"/>
-              <a:t>3/27/19</a:t>
+              <a:t>8/13/19</a:t>
             </a:fld>
             <a:endParaRPr lang="en-US"/>
           </a:p>
@@ -1349,7 +1350,7 @@
           <a:p>
             <a:fld id="{6160CE2C-618F-9444-BA8A-58E4C525A399}" type="datetimeFigureOut">
               <a:rPr lang="en-US" smtClean="0"/>
-              <a:t>3/27/19</a:t>
+              <a:t>8/13/19</a:t>
             </a:fld>
             <a:endParaRPr lang="en-US"/>
           </a:p>
@@ -1768,7 +1769,7 @@
           <a:p>
             <a:fld id="{6160CE2C-618F-9444-BA8A-58E4C525A399}" type="datetimeFigureOut">
               <a:rPr lang="en-US" smtClean="0"/>
-              <a:t>3/27/19</a:t>
+              <a:t>8/13/19</a:t>
             </a:fld>
             <a:endParaRPr lang="en-US"/>
           </a:p>
@@ -1885,7 +1886,7 @@
           <a:p>
             <a:fld id="{6160CE2C-618F-9444-BA8A-58E4C525A399}" type="datetimeFigureOut">
               <a:rPr lang="en-US" smtClean="0"/>
-              <a:t>3/27/19</a:t>
+              <a:t>8/13/19</a:t>
             </a:fld>
             <a:endParaRPr lang="en-US"/>
           </a:p>
@@ -1980,7 +1981,7 @@
           <a:p>
             <a:fld id="{6160CE2C-618F-9444-BA8A-58E4C525A399}" type="datetimeFigureOut">
               <a:rPr lang="en-US" smtClean="0"/>
-              <a:t>3/27/19</a:t>
+              <a:t>8/13/19</a:t>
             </a:fld>
             <a:endParaRPr lang="en-US"/>
           </a:p>
@@ -2255,7 +2256,7 @@
           <a:p>
             <a:fld id="{6160CE2C-618F-9444-BA8A-58E4C525A399}" type="datetimeFigureOut">
               <a:rPr lang="en-US" smtClean="0"/>
-              <a:t>3/27/19</a:t>
+              <a:t>8/13/19</a:t>
             </a:fld>
             <a:endParaRPr lang="en-US"/>
           </a:p>
@@ -2507,7 +2508,7 @@
           <a:p>
             <a:fld id="{6160CE2C-618F-9444-BA8A-58E4C525A399}" type="datetimeFigureOut">
               <a:rPr lang="en-US" smtClean="0"/>
-              <a:t>3/27/19</a:t>
+              <a:t>8/13/19</a:t>
             </a:fld>
             <a:endParaRPr lang="en-US"/>
           </a:p>
@@ -2718,7 +2719,7 @@
           <a:p>
             <a:fld id="{6160CE2C-618F-9444-BA8A-58E4C525A399}" type="datetimeFigureOut">
               <a:rPr lang="en-US" smtClean="0"/>
-              <a:t>3/27/19</a:t>
+              <a:t>8/13/19</a:t>
             </a:fld>
             <a:endParaRPr lang="en-US"/>
           </a:p>
@@ -3191,7 +3192,7 @@
                     <a:schemeClr val="bg1"/>
                   </a:solidFill>
                 </a:rPr>
-                <a:t>Vets who Code</a:t>
+                <a:t>Karyotypes</a:t>
               </a:r>
             </a:p>
           </p:txBody>
@@ -3199,28 +3200,28 @@
       </p:grpSp>
       <p:pic>
         <p:nvPicPr>
-          <p:cNvPr id="3" name="Picture 2" descr="Screen Shot 2017-09-02 at 1.57.56 PM.png"/>
+          <p:cNvPr id="5" name="Picture 4">
+            <a:extLst>
+              <a:ext uri="{FF2B5EF4-FFF2-40B4-BE49-F238E27FC236}">
+                <a16:creationId xmlns:a16="http://schemas.microsoft.com/office/drawing/2014/main" id="{26A20F51-7650-0942-A85D-48649720B22B}"/>
+              </a:ext>
+            </a:extLst>
+          </p:cNvPr>
           <p:cNvPicPr>
             <a:picLocks noChangeAspect="1"/>
           </p:cNvPicPr>
           <p:nvPr/>
         </p:nvPicPr>
         <p:blipFill>
-          <a:blip r:embed="rId2">
-            <a:extLst>
-              <a:ext uri="{28A0092B-C50C-407E-A947-70E740481C1C}">
-                <a14:useLocalDpi xmlns:a14="http://schemas.microsoft.com/office/drawing/2010/main" val="0"/>
-              </a:ext>
-            </a:extLst>
-          </a:blip>
+          <a:blip r:embed="rId2"/>
           <a:stretch>
             <a:fillRect/>
           </a:stretch>
         </p:blipFill>
         <p:spPr>
           <a:xfrm>
-            <a:off x="2991556" y="2180651"/>
-            <a:ext cx="3749690" cy="3858904"/>
+            <a:off x="2368448" y="2873112"/>
+            <a:ext cx="5129867" cy="2129811"/>
           </a:xfrm>
           <a:prstGeom prst="rect">
             <a:avLst/>
@@ -3951,6 +3952,91 @@
 </p:sld>
 </file>
 
+<file path=ppt/slides/slide5.xml><?xml version="1.0" encoding="utf-8"?>
+<p:sld xmlns:a="http://schemas.openxmlformats.org/drawingml/2006/main" xmlns:r="http://schemas.openxmlformats.org/officeDocument/2006/relationships" xmlns:p="http://schemas.openxmlformats.org/presentationml/2006/main">
+  <p:cSld>
+    <p:bg>
+      <p:bgPr>
+        <a:solidFill>
+          <a:schemeClr val="tx1"/>
+        </a:solidFill>
+        <a:effectLst/>
+      </p:bgPr>
+    </p:bg>
+    <p:spTree>
+      <p:nvGrpSpPr>
+        <p:cNvPr id="1" name=""/>
+        <p:cNvGrpSpPr/>
+        <p:nvPr/>
+      </p:nvGrpSpPr>
+      <p:grpSpPr>
+        <a:xfrm>
+          <a:off x="0" y="0"/>
+          <a:ext cx="0" cy="0"/>
+          <a:chOff x="0" y="0"/>
+          <a:chExt cx="0" cy="0"/>
+        </a:xfrm>
+      </p:grpSpPr>
+      <p:pic>
+        <p:nvPicPr>
+          <p:cNvPr id="1026" name="Picture 2" descr="https://lh4.googleusercontent.com/31YZfULjnVomuUne0h4RGoNIQGgACfZhl7GwK9HW2JSjgcaqAlTmDjsS7gA-GbwHNUuYXecdTZ5EibxmeJG5r3uE0taz2OEDWWAWL5_DrHWocglFfW4JInTHLINj5-f9yhgkqQyeUT8">
+            <a:extLst>
+              <a:ext uri="{FF2B5EF4-FFF2-40B4-BE49-F238E27FC236}">
+                <a16:creationId xmlns:a16="http://schemas.microsoft.com/office/drawing/2014/main" id="{9C911116-E6D1-E048-8D62-F61D0E037556}"/>
+              </a:ext>
+            </a:extLst>
+          </p:cNvPr>
+          <p:cNvPicPr>
+            <a:picLocks noChangeAspect="1" noChangeArrowheads="1"/>
+          </p:cNvPicPr>
+          <p:nvPr/>
+        </p:nvPicPr>
+        <p:blipFill>
+          <a:blip r:embed="rId2">
+            <a:extLst>
+              <a:ext uri="{28A0092B-C50C-407E-A947-70E740481C1C}">
+                <a14:useLocalDpi xmlns:a14="http://schemas.microsoft.com/office/drawing/2010/main" val="0"/>
+              </a:ext>
+            </a:extLst>
+          </a:blip>
+          <a:srcRect/>
+          <a:stretch>
+            <a:fillRect/>
+          </a:stretch>
+        </p:blipFill>
+        <p:spPr bwMode="auto">
+          <a:xfrm>
+            <a:off x="-846084" y="-1406074"/>
+            <a:ext cx="9887922" cy="9887922"/>
+          </a:xfrm>
+          <a:prstGeom prst="rect">
+            <a:avLst/>
+          </a:prstGeom>
+          <a:noFill/>
+          <a:extLst>
+            <a:ext uri="{909E8E84-426E-40DD-AFC4-6F175D3DCCD1}">
+              <a14:hiddenFill xmlns:a14="http://schemas.microsoft.com/office/drawing/2010/main">
+                <a:solidFill>
+                  <a:srgbClr val="FFFFFF"/>
+                </a:solidFill>
+              </a14:hiddenFill>
+            </a:ext>
+          </a:extLst>
+        </p:spPr>
+      </p:pic>
+    </p:spTree>
+    <p:extLst>
+      <p:ext uri="{BB962C8B-B14F-4D97-AF65-F5344CB8AC3E}">
+        <p14:creationId xmlns:p14="http://schemas.microsoft.com/office/powerpoint/2010/main" val="1874719228"/>
+      </p:ext>
+    </p:extLst>
+  </p:cSld>
+  <p:clrMapOvr>
+    <a:masterClrMapping/>
+  </p:clrMapOvr>
+</p:sld>
+</file>
+
 <file path=ppt/theme/theme1.xml><?xml version="1.0" encoding="utf-8"?>
 <a:theme xmlns:a="http://schemas.openxmlformats.org/drawingml/2006/main" name="Office Theme">
   <a:themeElements>
